--- a/Case DSL – Julian Derks.pptx
+++ b/Case DSL – Julian Derks.pptx
@@ -15840,12 +15840,12 @@
         <p:spPr>
           <a:xfrm>
             <a:off x="700636" y="1894114"/>
-            <a:ext cx="7827544" cy="4035100"/>
+            <a:ext cx="8564662" cy="4441372"/>
           </a:xfrm>
         </p:spPr>
         <p:txBody>
           <a:bodyPr>
-            <a:normAutofit fontScale="77500" lnSpcReduction="20000"/>
+            <a:normAutofit/>
           </a:bodyPr>
           <a:lstStyle/>
           <a:p>
@@ -15854,7 +15854,7 @@
               <a:buAutoNum type="arabicPeriod"/>
             </a:pPr>
             <a:r>
-              <a:rPr lang="en-US" sz="2100" b="0" dirty="0">
+              <a:rPr lang="en-US" sz="1400" b="0" dirty="0">
                 <a:effectLst/>
                 <a:latin typeface="Consolas" panose="020B0609020204030204" pitchFamily="49" charset="0"/>
               </a:rPr>
@@ -15866,7 +15866,7 @@
               <a:buNone/>
             </a:pPr>
             <a:r>
-              <a:rPr lang="en-US" b="0" dirty="0">
+              <a:rPr lang="en-US" sz="1400" b="0" dirty="0">
                 <a:solidFill>
                   <a:srgbClr val="CE9178"/>
                 </a:solidFill>
@@ -15876,7 +15876,7 @@
               <a:t>"</a:t>
             </a:r>
             <a:r>
-              <a:rPr lang="en-US" b="0" dirty="0" err="1">
+              <a:rPr lang="en-US" sz="1400" b="0" dirty="0" err="1">
                 <a:solidFill>
                   <a:srgbClr val="CE9178"/>
                 </a:solidFill>
@@ -15886,7 +15886,7 @@
               <a:t>summary"</a:t>
             </a:r>
             <a:r>
-              <a:rPr lang="en-US" b="0" dirty="0" err="1">
+              <a:rPr lang="en-US" sz="1400" b="0" dirty="0" err="1">
                 <a:solidFill>
                   <a:srgbClr val="D4D4D4"/>
                 </a:solidFill>
@@ -15896,7 +15896,7 @@
               <a:t>,</a:t>
             </a:r>
             <a:r>
-              <a:rPr lang="en-US" b="0" dirty="0" err="1">
+              <a:rPr lang="en-US" sz="1400" b="0" dirty="0" err="1">
                 <a:solidFill>
                   <a:srgbClr val="CE9178"/>
                 </a:solidFill>
@@ -15906,7 +15906,7 @@
               <a:t>"space</a:t>
             </a:r>
             <a:r>
-              <a:rPr lang="en-US" b="0" dirty="0">
+              <a:rPr lang="en-US" sz="1400" b="0" dirty="0">
                 <a:solidFill>
                   <a:srgbClr val="CE9178"/>
                 </a:solidFill>
@@ -15916,7 +15916,7 @@
               <a:t>"</a:t>
             </a:r>
             <a:r>
-              <a:rPr lang="en-US" b="0" dirty="0">
+              <a:rPr lang="en-US" sz="1400" b="0" dirty="0">
                 <a:solidFill>
                   <a:srgbClr val="D4D4D4"/>
                 </a:solidFill>
@@ -15926,7 +15926,7 @@
               <a:t>, </a:t>
             </a:r>
             <a:r>
-              <a:rPr lang="en-US" b="0" dirty="0">
+              <a:rPr lang="en-US" sz="1400" b="0" dirty="0">
                 <a:solidFill>
                   <a:srgbClr val="CE9178"/>
                 </a:solidFill>
@@ -15936,7 +15936,7 @@
               <a:t>"description"</a:t>
             </a:r>
             <a:r>
-              <a:rPr lang="en-US" b="0" dirty="0">
+              <a:rPr lang="en-US" sz="1400" b="0" dirty="0">
                 <a:solidFill>
                   <a:srgbClr val="D4D4D4"/>
                 </a:solidFill>
@@ -15946,7 +15946,7 @@
               <a:t>, </a:t>
             </a:r>
             <a:r>
-              <a:rPr lang="en-US" b="0" dirty="0">
+              <a:rPr lang="en-US" sz="1400" b="0" dirty="0">
                 <a:solidFill>
                   <a:srgbClr val="CE9178"/>
                 </a:solidFill>
@@ -15956,7 +15956,7 @@
               <a:t>"name"</a:t>
             </a:r>
             <a:r>
-              <a:rPr lang="en-US" b="0" dirty="0">
+              <a:rPr lang="en-US" sz="1400" b="0" dirty="0">
                 <a:solidFill>
                   <a:srgbClr val="D4D4D4"/>
                 </a:solidFill>
@@ -15966,7 +15966,7 @@
               <a:t>, </a:t>
             </a:r>
             <a:r>
-              <a:rPr lang="en-US" b="0" dirty="0">
+              <a:rPr lang="en-US" sz="1400" b="0" dirty="0">
                 <a:solidFill>
                   <a:srgbClr val="CE9178"/>
                 </a:solidFill>
@@ -15976,7 +15976,7 @@
               <a:t>"</a:t>
             </a:r>
             <a:r>
-              <a:rPr lang="en-US" b="0" dirty="0" err="1">
+              <a:rPr lang="en-US" sz="1400" b="0" dirty="0" err="1">
                 <a:solidFill>
                   <a:srgbClr val="CE9178"/>
                 </a:solidFill>
@@ -15986,7 +15986,7 @@
               <a:t>neighborhood_overview</a:t>
             </a:r>
             <a:r>
-              <a:rPr lang="en-US" b="0" dirty="0">
+              <a:rPr lang="en-US" sz="1400" b="0" dirty="0">
                 <a:solidFill>
                   <a:srgbClr val="CE9178"/>
                 </a:solidFill>
@@ -15996,7 +15996,7 @@
               <a:t>"</a:t>
             </a:r>
             <a:r>
-              <a:rPr lang="en-US" b="0" dirty="0">
+              <a:rPr lang="en-US" sz="1400" b="0" dirty="0">
                 <a:solidFill>
                   <a:srgbClr val="D4D4D4"/>
                 </a:solidFill>
@@ -16006,7 +16006,7 @@
               <a:t>, </a:t>
             </a:r>
             <a:r>
-              <a:rPr lang="en-US" b="0" dirty="0">
+              <a:rPr lang="en-US" sz="1400" b="0" dirty="0">
                 <a:solidFill>
                   <a:srgbClr val="CE9178"/>
                 </a:solidFill>
@@ -16016,7 +16016,7 @@
               <a:t>"notes"</a:t>
             </a:r>
             <a:r>
-              <a:rPr lang="en-US" b="0" dirty="0">
+              <a:rPr lang="en-US" sz="1400" b="0" dirty="0">
                 <a:solidFill>
                   <a:srgbClr val="D4D4D4"/>
                 </a:solidFill>
@@ -16026,7 +16026,7 @@
               <a:t>, </a:t>
             </a:r>
             <a:r>
-              <a:rPr lang="en-US" b="0" dirty="0">
+              <a:rPr lang="en-US" sz="1400" b="0" dirty="0">
                 <a:solidFill>
                   <a:srgbClr val="CE9178"/>
                 </a:solidFill>
@@ -16036,7 +16036,7 @@
               <a:t>"transit"</a:t>
             </a:r>
             <a:r>
-              <a:rPr lang="en-US" b="0" dirty="0">
+              <a:rPr lang="en-US" sz="1400" b="0" dirty="0">
                 <a:solidFill>
                   <a:srgbClr val="D4D4D4"/>
                 </a:solidFill>
@@ -16046,7 +16046,7 @@
               <a:t>, </a:t>
             </a:r>
             <a:r>
-              <a:rPr lang="en-US" b="0" dirty="0">
+              <a:rPr lang="en-US" sz="1400" b="0" dirty="0">
                 <a:solidFill>
                   <a:srgbClr val="CE9178"/>
                 </a:solidFill>
@@ -16056,7 +16056,7 @@
               <a:t>"access"</a:t>
             </a:r>
             <a:r>
-              <a:rPr lang="en-US" b="0" dirty="0">
+              <a:rPr lang="en-US" sz="1400" b="0" dirty="0">
                 <a:solidFill>
                   <a:srgbClr val="D4D4D4"/>
                 </a:solidFill>
@@ -16066,7 +16066,7 @@
               <a:t>, </a:t>
             </a:r>
             <a:r>
-              <a:rPr lang="en-US" b="0" dirty="0">
+              <a:rPr lang="en-US" sz="1400" b="0" dirty="0">
                 <a:solidFill>
                   <a:srgbClr val="CE9178"/>
                 </a:solidFill>
@@ -16076,7 +16076,7 @@
               <a:t>"interaction"</a:t>
             </a:r>
             <a:r>
-              <a:rPr lang="en-US" b="0" dirty="0">
+              <a:rPr lang="en-US" sz="1400" b="0" dirty="0">
                 <a:solidFill>
                   <a:srgbClr val="D4D4D4"/>
                 </a:solidFill>
@@ -16086,7 +16086,7 @@
               <a:t>, </a:t>
             </a:r>
             <a:r>
-              <a:rPr lang="en-US" b="0" dirty="0">
+              <a:rPr lang="en-US" sz="1400" b="0" dirty="0">
                 <a:solidFill>
                   <a:srgbClr val="CE9178"/>
                 </a:solidFill>
@@ -16096,7 +16096,7 @@
               <a:t>"</a:t>
             </a:r>
             <a:r>
-              <a:rPr lang="en-US" b="0" dirty="0" err="1">
+              <a:rPr lang="en-US" sz="1400" b="0" dirty="0" err="1">
                 <a:solidFill>
                   <a:srgbClr val="CE9178"/>
                 </a:solidFill>
@@ -16106,7 +16106,7 @@
               <a:t>house_rules</a:t>
             </a:r>
             <a:r>
-              <a:rPr lang="en-US" b="0" dirty="0">
+              <a:rPr lang="en-US" sz="1400" b="0" dirty="0">
                 <a:solidFill>
                   <a:srgbClr val="CE9178"/>
                 </a:solidFill>
@@ -16115,7 +16115,7 @@
               </a:rPr>
               <a:t>"</a:t>
             </a:r>
-            <a:endParaRPr lang="en-US" b="0" dirty="0">
+            <a:endParaRPr lang="en-US" sz="1400" b="0" dirty="0">
               <a:effectLst/>
               <a:latin typeface="Consolas" panose="020B0609020204030204" pitchFamily="49" charset="0"/>
             </a:endParaRPr>
@@ -16126,7 +16126,7 @@
               <a:buAutoNum type="arabicPeriod"/>
             </a:pPr>
             <a:r>
-              <a:rPr lang="en-US" sz="2000" dirty="0">
+              <a:rPr lang="en-US" sz="1400" dirty="0">
                 <a:latin typeface="Consolas" panose="020B0609020204030204" pitchFamily="49" charset="0"/>
               </a:rPr>
               <a:t>Extract keywords</a:t>
@@ -16135,20 +16135,20 @@
           <a:p>
             <a:pPr lvl="2"/>
             <a:r>
-              <a:rPr lang="en-US" sz="1700" dirty="0">
+              <a:rPr lang="en-US" sz="1200" dirty="0">
                 <a:latin typeface="Consolas" panose="020B0609020204030204" pitchFamily="49" charset="0"/>
               </a:rPr>
               <a:t>I</a:t>
             </a:r>
             <a:r>
-              <a:rPr lang="en-US" sz="1700" b="0" dirty="0">
+              <a:rPr lang="en-US" sz="1200" b="0" dirty="0">
                 <a:effectLst/>
                 <a:latin typeface="Consolas" panose="020B0609020204030204" pitchFamily="49" charset="0"/>
               </a:rPr>
               <a:t> noticed a lot of square feet in </a:t>
             </a:r>
             <a:r>
-              <a:rPr lang="en-US" sz="1700" dirty="0">
+              <a:rPr lang="en-US" sz="1200" dirty="0">
                 <a:solidFill>
                   <a:srgbClr val="CE9178"/>
                 </a:solidFill>
@@ -16157,14 +16157,14 @@
               <a:t>‘description’ </a:t>
             </a:r>
             <a:r>
-              <a:rPr lang="en-US" sz="1700" b="0" dirty="0">
+              <a:rPr lang="en-US" sz="1200" b="0" dirty="0">
                 <a:effectLst/>
                 <a:latin typeface="Consolas" panose="020B0609020204030204" pitchFamily="49" charset="0"/>
               </a:rPr>
               <a:t>whilst the </a:t>
             </a:r>
             <a:r>
-              <a:rPr lang="en-US" sz="1700" dirty="0">
+              <a:rPr lang="en-US" sz="1200" dirty="0">
                 <a:solidFill>
                   <a:srgbClr val="CE9178"/>
                 </a:solidFill>
@@ -16173,7 +16173,7 @@
               <a:t>‘</a:t>
             </a:r>
             <a:r>
-              <a:rPr lang="en-US" sz="1700" dirty="0" err="1">
+              <a:rPr lang="en-US" sz="1200" dirty="0" err="1">
                 <a:solidFill>
                   <a:srgbClr val="CE9178"/>
                 </a:solidFill>
@@ -16182,7 +16182,7 @@
               <a:t>square_feet</a:t>
             </a:r>
             <a:r>
-              <a:rPr lang="en-US" sz="1700" dirty="0">
+              <a:rPr lang="en-US" sz="1200" dirty="0">
                 <a:solidFill>
                   <a:srgbClr val="CE9178"/>
                 </a:solidFill>
@@ -16191,21 +16191,21 @@
               <a:t>’ </a:t>
             </a:r>
             <a:r>
-              <a:rPr lang="en-US" sz="1700" b="0" dirty="0">
+              <a:rPr lang="en-US" sz="1200" b="0" dirty="0">
                 <a:effectLst/>
                 <a:latin typeface="Consolas" panose="020B0609020204030204" pitchFamily="49" charset="0"/>
               </a:rPr>
               <a:t>column was </a:t>
             </a:r>
             <a:r>
-              <a:rPr lang="en-US" sz="1700" b="0" dirty="0" err="1">
+              <a:rPr lang="en-US" sz="1200" b="0" dirty="0" err="1">
                 <a:effectLst/>
                 <a:latin typeface="Consolas" panose="020B0609020204030204" pitchFamily="49" charset="0"/>
               </a:rPr>
               <a:t>NaN</a:t>
             </a:r>
             <a:r>
-              <a:rPr lang="en-US" sz="1700" b="0" dirty="0">
+              <a:rPr lang="en-US" sz="1200" b="0" dirty="0">
                 <a:effectLst/>
                 <a:latin typeface="Consolas" panose="020B0609020204030204" pitchFamily="49" charset="0"/>
               </a:rPr>
@@ -16218,14 +16218,14 @@
               <a:buAutoNum type="arabicPeriod"/>
             </a:pPr>
             <a:r>
-              <a:rPr lang="en-US" sz="2000" b="0" dirty="0">
+              <a:rPr lang="en-US" sz="1400" b="0" dirty="0">
                 <a:effectLst/>
                 <a:latin typeface="Consolas" panose="020B0609020204030204" pitchFamily="49" charset="0"/>
               </a:rPr>
               <a:t>Extract sentiment scores from </a:t>
             </a:r>
             <a:r>
-              <a:rPr lang="en-US" sz="2000" dirty="0">
+              <a:rPr lang="en-US" sz="1400" dirty="0">
                 <a:solidFill>
                   <a:srgbClr val="CE9178"/>
                 </a:solidFill>
@@ -16234,13 +16234,13 @@
               <a:t>‘description’ </a:t>
             </a:r>
             <a:r>
-              <a:rPr lang="en-US" sz="2000" dirty="0">
+              <a:rPr lang="en-US" sz="1400" dirty="0">
                 <a:latin typeface="Consolas" panose="020B0609020204030204" pitchFamily="49" charset="0"/>
               </a:rPr>
               <a:t>or</a:t>
             </a:r>
             <a:r>
-              <a:rPr lang="en-US" sz="2000" dirty="0">
+              <a:rPr lang="en-US" sz="1400" dirty="0">
                 <a:solidFill>
                   <a:srgbClr val="CE9178"/>
                 </a:solidFill>
@@ -16248,7 +16248,7 @@
               </a:rPr>
               <a:t> ‘summary’</a:t>
             </a:r>
-            <a:endParaRPr lang="en-US" sz="2000" b="0" dirty="0">
+            <a:endParaRPr lang="en-US" sz="1400" b="0" dirty="0">
               <a:effectLst/>
               <a:latin typeface="Consolas" panose="020B0609020204030204" pitchFamily="49" charset="0"/>
             </a:endParaRPr>
@@ -16259,14 +16259,14 @@
               <a:buAutoNum type="arabicPeriod" startAt="2"/>
             </a:pPr>
             <a:r>
-              <a:rPr lang="en-US" sz="2100" b="0" dirty="0">
+              <a:rPr lang="en-US" sz="1400" b="0" dirty="0">
                 <a:effectLst/>
                 <a:latin typeface="Consolas" panose="020B0609020204030204" pitchFamily="49" charset="0"/>
               </a:rPr>
               <a:t>Better grouping of small </a:t>
             </a:r>
             <a:r>
-              <a:rPr lang="en-US" sz="2100" dirty="0">
+              <a:rPr lang="en-US" sz="1400" dirty="0">
                 <a:solidFill>
                   <a:srgbClr val="CE9178"/>
                 </a:solidFill>
@@ -16275,7 +16275,7 @@
               <a:t>‘</a:t>
             </a:r>
             <a:r>
-              <a:rPr lang="en-US" sz="2100" dirty="0" err="1">
+              <a:rPr lang="en-US" sz="1400" dirty="0" err="1">
                 <a:solidFill>
                   <a:srgbClr val="CE9178"/>
                 </a:solidFill>
@@ -16284,7 +16284,7 @@
               <a:t>property_type</a:t>
             </a:r>
             <a:r>
-              <a:rPr lang="en-US" sz="2100" dirty="0">
+              <a:rPr lang="en-US" sz="1400" dirty="0">
                 <a:solidFill>
                   <a:srgbClr val="CE9178"/>
                 </a:solidFill>
@@ -16293,14 +16293,14 @@
               <a:t>’ </a:t>
             </a:r>
             <a:r>
-              <a:rPr lang="en-US" sz="2100" b="0" dirty="0">
+              <a:rPr lang="en-US" sz="1400" b="0" dirty="0">
                 <a:effectLst/>
                 <a:latin typeface="Consolas" panose="020B0609020204030204" pitchFamily="49" charset="0"/>
               </a:rPr>
               <a:t>categories instead of grouping them all as </a:t>
             </a:r>
             <a:r>
-              <a:rPr lang="en-US" sz="2100" dirty="0">
+              <a:rPr lang="en-US" sz="1400" dirty="0">
                 <a:solidFill>
                   <a:srgbClr val="CE9178"/>
                 </a:solidFill>
@@ -16315,27 +16315,27 @@
               <a:buAutoNum type="arabicPeriod" startAt="2"/>
             </a:pPr>
             <a:r>
-              <a:rPr lang="en-US" sz="2100" b="0" dirty="0">
+              <a:rPr lang="en-US" sz="1400" b="0" dirty="0">
                 <a:effectLst/>
                 <a:latin typeface="Consolas" panose="020B0609020204030204" pitchFamily="49" charset="0"/>
               </a:rPr>
               <a:t>Add different models (e.g.</a:t>
             </a:r>
             <a:r>
-              <a:rPr lang="en-US" sz="2100" dirty="0">
+              <a:rPr lang="en-US" sz="1400" dirty="0">
                 <a:latin typeface="Consolas" panose="020B0609020204030204" pitchFamily="49" charset="0"/>
               </a:rPr>
               <a:t>, </a:t>
             </a:r>
             <a:r>
-              <a:rPr lang="en-US" sz="2100" b="0" dirty="0" err="1">
+              <a:rPr lang="en-US" sz="1400" b="0" dirty="0" err="1">
                 <a:effectLst/>
                 <a:latin typeface="Consolas" panose="020B0609020204030204" pitchFamily="49" charset="0"/>
               </a:rPr>
               <a:t>XGboost</a:t>
             </a:r>
             <a:r>
-              <a:rPr lang="en-US" sz="2100" b="0" dirty="0">
+              <a:rPr lang="en-US" sz="1400" b="0" dirty="0">
                 <a:effectLst/>
                 <a:latin typeface="Consolas" panose="020B0609020204030204" pitchFamily="49" charset="0"/>
               </a:rPr>
@@ -16348,15 +16348,24 @@
               <a:buAutoNum type="arabicPeriod" startAt="2"/>
             </a:pPr>
             <a:r>
-              <a:rPr lang="en-US" sz="2100" dirty="0">
+              <a:rPr lang="en-US" sz="1400" dirty="0">
                 <a:latin typeface="Consolas" panose="020B0609020204030204" pitchFamily="49" charset="0"/>
               </a:rPr>
               <a:t>As Airbnb: enrich amenities column</a:t>
             </a:r>
-            <a:endParaRPr lang="en-US" sz="2100" b="0" dirty="0">
-              <a:effectLst/>
-              <a:latin typeface="Consolas" panose="020B0609020204030204" pitchFamily="49" charset="0"/>
-            </a:endParaRPr>
+          </a:p>
+          <a:p>
+            <a:pPr marL="457200" indent="-457200">
+              <a:buFont typeface="+mj-lt"/>
+              <a:buAutoNum type="arabicPeriod" startAt="2"/>
+            </a:pPr>
+            <a:r>
+              <a:rPr lang="en-US" sz="1400" b="0" dirty="0">
+                <a:effectLst/>
+                <a:latin typeface="Consolas" panose="020B0609020204030204" pitchFamily="49" charset="0"/>
+              </a:rPr>
+              <a:t>Find ways to further clean data (emphasis on checking current price outliers)</a:t>
+            </a:r>
           </a:p>
         </p:txBody>
       </p:sp>
